--- a/ds/ds.pptx
+++ b/ds/ds.pptx
@@ -8,6 +8,7 @@
     <p:sldId id="257" r:id="rId2"/>
     <p:sldId id="258" r:id="rId3"/>
     <p:sldId id="259" r:id="rId4"/>
+    <p:sldId id="260" r:id="rId5"/>
   </p:sldIdLst>
   <p:sldSz cx="12192000" cy="6858000"/>
   <p:notesSz cx="6858000" cy="9144000"/>
@@ -245,7 +246,7 @@
           <a:p>
             <a:fld id="{1C1B9D67-317F-4EB6-978C-22DE8BA5E1EE}" type="datetimeFigureOut">
               <a:rPr lang="en-US" smtClean="0"/>
-              <a:t>12/8/2019</a:t>
+              <a:t>12/24/2019</a:t>
             </a:fld>
             <a:endParaRPr lang="en-US"/>
           </a:p>
@@ -415,7 +416,7 @@
           <a:p>
             <a:fld id="{1C1B9D67-317F-4EB6-978C-22DE8BA5E1EE}" type="datetimeFigureOut">
               <a:rPr lang="en-US" smtClean="0"/>
-              <a:t>12/8/2019</a:t>
+              <a:t>12/24/2019</a:t>
             </a:fld>
             <a:endParaRPr lang="en-US"/>
           </a:p>
@@ -595,7 +596,7 @@
           <a:p>
             <a:fld id="{1C1B9D67-317F-4EB6-978C-22DE8BA5E1EE}" type="datetimeFigureOut">
               <a:rPr lang="en-US" smtClean="0"/>
-              <a:t>12/8/2019</a:t>
+              <a:t>12/24/2019</a:t>
             </a:fld>
             <a:endParaRPr lang="en-US"/>
           </a:p>
@@ -765,7 +766,7 @@
           <a:p>
             <a:fld id="{1C1B9D67-317F-4EB6-978C-22DE8BA5E1EE}" type="datetimeFigureOut">
               <a:rPr lang="en-US" smtClean="0"/>
-              <a:t>12/8/2019</a:t>
+              <a:t>12/24/2019</a:t>
             </a:fld>
             <a:endParaRPr lang="en-US"/>
           </a:p>
@@ -1011,7 +1012,7 @@
           <a:p>
             <a:fld id="{1C1B9D67-317F-4EB6-978C-22DE8BA5E1EE}" type="datetimeFigureOut">
               <a:rPr lang="en-US" smtClean="0"/>
-              <a:t>12/8/2019</a:t>
+              <a:t>12/24/2019</a:t>
             </a:fld>
             <a:endParaRPr lang="en-US"/>
           </a:p>
@@ -1243,7 +1244,7 @@
           <a:p>
             <a:fld id="{1C1B9D67-317F-4EB6-978C-22DE8BA5E1EE}" type="datetimeFigureOut">
               <a:rPr lang="en-US" smtClean="0"/>
-              <a:t>12/8/2019</a:t>
+              <a:t>12/24/2019</a:t>
             </a:fld>
             <a:endParaRPr lang="en-US"/>
           </a:p>
@@ -1610,7 +1611,7 @@
           <a:p>
             <a:fld id="{1C1B9D67-317F-4EB6-978C-22DE8BA5E1EE}" type="datetimeFigureOut">
               <a:rPr lang="en-US" smtClean="0"/>
-              <a:t>12/8/2019</a:t>
+              <a:t>12/24/2019</a:t>
             </a:fld>
             <a:endParaRPr lang="en-US"/>
           </a:p>
@@ -1728,7 +1729,7 @@
           <a:p>
             <a:fld id="{1C1B9D67-317F-4EB6-978C-22DE8BA5E1EE}" type="datetimeFigureOut">
               <a:rPr lang="en-US" smtClean="0"/>
-              <a:t>12/8/2019</a:t>
+              <a:t>12/24/2019</a:t>
             </a:fld>
             <a:endParaRPr lang="en-US"/>
           </a:p>
@@ -1823,7 +1824,7 @@
           <a:p>
             <a:fld id="{1C1B9D67-317F-4EB6-978C-22DE8BA5E1EE}" type="datetimeFigureOut">
               <a:rPr lang="en-US" smtClean="0"/>
-              <a:t>12/8/2019</a:t>
+              <a:t>12/24/2019</a:t>
             </a:fld>
             <a:endParaRPr lang="en-US"/>
           </a:p>
@@ -2100,7 +2101,7 @@
           <a:p>
             <a:fld id="{1C1B9D67-317F-4EB6-978C-22DE8BA5E1EE}" type="datetimeFigureOut">
               <a:rPr lang="en-US" smtClean="0"/>
-              <a:t>12/8/2019</a:t>
+              <a:t>12/24/2019</a:t>
             </a:fld>
             <a:endParaRPr lang="en-US"/>
           </a:p>
@@ -2353,7 +2354,7 @@
           <a:p>
             <a:fld id="{1C1B9D67-317F-4EB6-978C-22DE8BA5E1EE}" type="datetimeFigureOut">
               <a:rPr lang="en-US" smtClean="0"/>
-              <a:t>12/8/2019</a:t>
+              <a:t>12/24/2019</a:t>
             </a:fld>
             <a:endParaRPr lang="en-US"/>
           </a:p>
@@ -2566,7 +2567,7 @@
           <a:p>
             <a:fld id="{1C1B9D67-317F-4EB6-978C-22DE8BA5E1EE}" type="datetimeFigureOut">
               <a:rPr lang="en-US" smtClean="0"/>
-              <a:t>12/8/2019</a:t>
+              <a:t>12/24/2019</a:t>
             </a:fld>
             <a:endParaRPr lang="en-US"/>
           </a:p>
@@ -5934,6 +5935,1082 @@
 </p:sld>
 </file>
 
+<file path=ppt/slides/slide4.xml><?xml version="1.0" encoding="utf-8"?>
+<p:sld xmlns:a="http://schemas.openxmlformats.org/drawingml/2006/main" xmlns:r="http://schemas.openxmlformats.org/officeDocument/2006/relationships" xmlns:p="http://schemas.openxmlformats.org/presentationml/2006/main">
+  <p:cSld>
+    <p:spTree>
+      <p:nvGrpSpPr>
+        <p:cNvPr id="1" name=""/>
+        <p:cNvGrpSpPr/>
+        <p:nvPr/>
+      </p:nvGrpSpPr>
+      <p:grpSpPr>
+        <a:xfrm>
+          <a:off x="0" y="0"/>
+          <a:ext cx="0" cy="0"/>
+          <a:chOff x="0" y="0"/>
+          <a:chExt cx="0" cy="0"/>
+        </a:xfrm>
+      </p:grpSpPr>
+      <p:sp>
+        <p:nvSpPr>
+          <p:cNvPr id="2" name="Title 1"/>
+          <p:cNvSpPr>
+            <a:spLocks noGrp="1"/>
+          </p:cNvSpPr>
+          <p:nvPr>
+            <p:ph type="title"/>
+          </p:nvPr>
+        </p:nvSpPr>
+        <p:spPr>
+          <a:xfrm>
+            <a:off x="838200" y="365125"/>
+            <a:ext cx="8648700" cy="414193"/>
+          </a:xfrm>
+        </p:spPr>
+        <p:txBody>
+          <a:bodyPr>
+            <a:normAutofit/>
+          </a:bodyPr>
+          <a:lstStyle/>
+          <a:p>
+            <a:r>
+              <a:rPr lang="en-US" sz="1600" b="1" dirty="0" err="1" smtClean="0"/>
+              <a:t>Sqrt</a:t>
+            </a:r>
+            <a:r>
+              <a:rPr lang="en-US" sz="1600" b="1" dirty="0" smtClean="0"/>
+              <a:t> decomposition</a:t>
+            </a:r>
+            <a:endParaRPr lang="en-US" sz="1600" b="1" dirty="0"/>
+          </a:p>
+        </p:txBody>
+      </p:sp>
+      <p:graphicFrame>
+        <p:nvGraphicFramePr>
+          <p:cNvPr id="4" name="Table 3"/>
+          <p:cNvGraphicFramePr>
+            <a:graphicFrameLocks noGrp="1"/>
+          </p:cNvGraphicFramePr>
+          <p:nvPr>
+            <p:extLst>
+              <p:ext uri="{D42A27DB-BD31-4B8C-83A1-F6EECF244321}">
+                <p14:modId xmlns:p14="http://schemas.microsoft.com/office/powerpoint/2010/main" val="2712056251"/>
+              </p:ext>
+            </p:extLst>
+          </p:nvPr>
+        </p:nvGraphicFramePr>
+        <p:xfrm>
+          <a:off x="1021665" y="1278082"/>
+          <a:ext cx="3797304" cy="365760"/>
+        </p:xfrm>
+        <a:graphic>
+          <a:graphicData uri="http://schemas.openxmlformats.org/drawingml/2006/table">
+            <a:tbl>
+              <a:tblPr firstRow="1" bandRow="1">
+                <a:tableStyleId>{5C22544A-7EE6-4342-B048-85BDC9FD1C3A}</a:tableStyleId>
+              </a:tblPr>
+              <a:tblGrid>
+                <a:gridCol w="474663"/>
+                <a:gridCol w="474663"/>
+                <a:gridCol w="474663"/>
+                <a:gridCol w="474663"/>
+                <a:gridCol w="474663"/>
+                <a:gridCol w="474663"/>
+                <a:gridCol w="474663"/>
+                <a:gridCol w="474663"/>
+              </a:tblGrid>
+              <a:tr h="350599">
+                <a:tc>
+                  <a:txBody>
+                    <a:bodyPr/>
+                    <a:lstStyle/>
+                    <a:p>
+                      <a:pPr algn="ctr"/>
+                      <a:r>
+                        <a:rPr lang="en-US" dirty="0" smtClean="0"/>
+                        <a:t>2</a:t>
+                      </a:r>
+                      <a:endParaRPr lang="en-US" dirty="0"/>
+                    </a:p>
+                  </a:txBody>
+                  <a:tcPr/>
+                </a:tc>
+                <a:tc>
+                  <a:txBody>
+                    <a:bodyPr/>
+                    <a:lstStyle/>
+                    <a:p>
+                      <a:pPr algn="ctr"/>
+                      <a:r>
+                        <a:rPr lang="en-US" dirty="0" smtClean="0"/>
+                        <a:t>5</a:t>
+                      </a:r>
+                      <a:endParaRPr lang="en-US" dirty="0"/>
+                    </a:p>
+                  </a:txBody>
+                  <a:tcPr/>
+                </a:tc>
+                <a:tc>
+                  <a:txBody>
+                    <a:bodyPr/>
+                    <a:lstStyle/>
+                    <a:p>
+                      <a:pPr algn="ctr"/>
+                      <a:r>
+                        <a:rPr lang="en-US" dirty="0" smtClean="0"/>
+                        <a:t>8</a:t>
+                      </a:r>
+                      <a:endParaRPr lang="en-US" dirty="0"/>
+                    </a:p>
+                  </a:txBody>
+                  <a:tcPr/>
+                </a:tc>
+                <a:tc>
+                  <a:txBody>
+                    <a:bodyPr/>
+                    <a:lstStyle/>
+                    <a:p>
+                      <a:pPr algn="ctr"/>
+                      <a:r>
+                        <a:rPr lang="en-US" dirty="0" smtClean="0"/>
+                        <a:t>12</a:t>
+                      </a:r>
+                      <a:endParaRPr lang="en-US" dirty="0"/>
+                    </a:p>
+                  </a:txBody>
+                  <a:tcPr/>
+                </a:tc>
+                <a:tc>
+                  <a:txBody>
+                    <a:bodyPr/>
+                    <a:lstStyle/>
+                    <a:p>
+                      <a:pPr algn="ctr"/>
+                      <a:r>
+                        <a:rPr lang="en-US" dirty="0" smtClean="0"/>
+                        <a:t>4</a:t>
+                      </a:r>
+                      <a:endParaRPr lang="en-US" dirty="0"/>
+                    </a:p>
+                  </a:txBody>
+                  <a:tcPr/>
+                </a:tc>
+                <a:tc>
+                  <a:txBody>
+                    <a:bodyPr/>
+                    <a:lstStyle/>
+                    <a:p>
+                      <a:pPr algn="ctr"/>
+                      <a:r>
+                        <a:rPr lang="en-US" dirty="0" smtClean="0"/>
+                        <a:t>3</a:t>
+                      </a:r>
+                      <a:endParaRPr lang="en-US" dirty="0"/>
+                    </a:p>
+                  </a:txBody>
+                  <a:tcPr/>
+                </a:tc>
+                <a:tc>
+                  <a:txBody>
+                    <a:bodyPr/>
+                    <a:lstStyle/>
+                    <a:p>
+                      <a:pPr algn="ctr"/>
+                      <a:r>
+                        <a:rPr lang="en-US" dirty="0" smtClean="0"/>
+                        <a:t>10</a:t>
+                      </a:r>
+                      <a:endParaRPr lang="en-US" dirty="0"/>
+                    </a:p>
+                  </a:txBody>
+                  <a:tcPr/>
+                </a:tc>
+                <a:tc>
+                  <a:txBody>
+                    <a:bodyPr/>
+                    <a:lstStyle/>
+                    <a:p>
+                      <a:pPr algn="ctr"/>
+                      <a:r>
+                        <a:rPr lang="en-US" dirty="0" smtClean="0"/>
+                        <a:t>9</a:t>
+                      </a:r>
+                      <a:endParaRPr lang="en-US" dirty="0"/>
+                    </a:p>
+                  </a:txBody>
+                  <a:tcPr/>
+                </a:tc>
+              </a:tr>
+            </a:tbl>
+          </a:graphicData>
+        </a:graphic>
+      </p:graphicFrame>
+      <p:sp>
+        <p:nvSpPr>
+          <p:cNvPr id="5" name="TextBox 4"/>
+          <p:cNvSpPr txBox="1"/>
+          <p:nvPr/>
+        </p:nvSpPr>
+        <p:spPr>
+          <a:xfrm>
+            <a:off x="1059872" y="1569027"/>
+            <a:ext cx="3720890" cy="307777"/>
+          </a:xfrm>
+          <a:prstGeom prst="rect">
+            <a:avLst/>
+          </a:prstGeom>
+          <a:noFill/>
+        </p:spPr>
+        <p:txBody>
+          <a:bodyPr wrap="none" rtlCol="0">
+            <a:spAutoFit/>
+          </a:bodyPr>
+          <a:lstStyle/>
+          <a:p>
+            <a:r>
+              <a:rPr lang="en-US" sz="1400" dirty="0" smtClean="0"/>
+              <a:t>0           1          2          3         4          5          6          7</a:t>
+            </a:r>
+            <a:endParaRPr lang="en-US" sz="1400" dirty="0"/>
+          </a:p>
+        </p:txBody>
+      </p:sp>
+      <p:sp>
+        <p:nvSpPr>
+          <p:cNvPr id="6" name="TextBox 5"/>
+          <p:cNvSpPr txBox="1"/>
+          <p:nvPr/>
+        </p:nvSpPr>
+        <p:spPr>
+          <a:xfrm>
+            <a:off x="5288973" y="1278082"/>
+            <a:ext cx="4014369" cy="461665"/>
+          </a:xfrm>
+          <a:prstGeom prst="rect">
+            <a:avLst/>
+          </a:prstGeom>
+          <a:noFill/>
+        </p:spPr>
+        <p:txBody>
+          <a:bodyPr wrap="none" rtlCol="0">
+            <a:spAutoFit/>
+          </a:bodyPr>
+          <a:lstStyle/>
+          <a:p>
+            <a:r>
+              <a:rPr lang="en-US" sz="1200" dirty="0" smtClean="0"/>
+              <a:t>Here if we want to perform sum from </a:t>
+            </a:r>
+            <a:r>
+              <a:rPr lang="en-US" sz="1200" b="1" dirty="0" smtClean="0"/>
+              <a:t>index 1 </a:t>
+            </a:r>
+            <a:r>
+              <a:rPr lang="en-US" sz="1200" dirty="0" smtClean="0"/>
+              <a:t>to </a:t>
+            </a:r>
+            <a:r>
+              <a:rPr lang="en-US" sz="1200" b="1" dirty="0" smtClean="0"/>
+              <a:t>index 6</a:t>
+            </a:r>
+          </a:p>
+          <a:p>
+            <a:r>
+              <a:rPr lang="en-US" sz="1200" dirty="0" smtClean="0"/>
+              <a:t>we need to iterate and do the sum with time complexity </a:t>
+            </a:r>
+            <a:r>
+              <a:rPr lang="en-US" sz="1200" b="1" dirty="0" smtClean="0"/>
+              <a:t>O(n)</a:t>
+            </a:r>
+            <a:endParaRPr lang="en-US" sz="1200" dirty="0"/>
+          </a:p>
+        </p:txBody>
+      </p:sp>
+      <p:cxnSp>
+        <p:nvCxnSpPr>
+          <p:cNvPr id="8" name="Straight Arrow Connector 7"/>
+          <p:cNvCxnSpPr>
+            <a:stCxn id="5" idx="2"/>
+          </p:cNvCxnSpPr>
+          <p:nvPr/>
+        </p:nvCxnSpPr>
+        <p:spPr>
+          <a:xfrm>
+            <a:off x="2920317" y="1876804"/>
+            <a:ext cx="446338" cy="648187"/>
+          </a:xfrm>
+          <a:prstGeom prst="straightConnector1">
+            <a:avLst/>
+          </a:prstGeom>
+          <a:ln>
+            <a:tailEnd type="triangle"/>
+          </a:ln>
+        </p:spPr>
+        <p:style>
+          <a:lnRef idx="1">
+            <a:schemeClr val="accent1"/>
+          </a:lnRef>
+          <a:fillRef idx="0">
+            <a:schemeClr val="accent1"/>
+          </a:fillRef>
+          <a:effectRef idx="0">
+            <a:schemeClr val="accent1"/>
+          </a:effectRef>
+          <a:fontRef idx="minor">
+            <a:schemeClr val="tx1"/>
+          </a:fontRef>
+        </p:style>
+      </p:cxnSp>
+      <p:graphicFrame>
+        <p:nvGraphicFramePr>
+          <p:cNvPr id="10" name="Table 9"/>
+          <p:cNvGraphicFramePr>
+            <a:graphicFrameLocks noGrp="1"/>
+          </p:cNvGraphicFramePr>
+          <p:nvPr>
+            <p:extLst>
+              <p:ext uri="{D42A27DB-BD31-4B8C-83A1-F6EECF244321}">
+                <p14:modId xmlns:p14="http://schemas.microsoft.com/office/powerpoint/2010/main" val="1444235398"/>
+              </p:ext>
+            </p:extLst>
+          </p:nvPr>
+        </p:nvGraphicFramePr>
+        <p:xfrm>
+          <a:off x="1443902" y="2843934"/>
+          <a:ext cx="1423989" cy="365760"/>
+        </p:xfrm>
+        <a:graphic>
+          <a:graphicData uri="http://schemas.openxmlformats.org/drawingml/2006/table">
+            <a:tbl>
+              <a:tblPr firstRow="1" bandRow="1">
+                <a:tableStyleId>{5C22544A-7EE6-4342-B048-85BDC9FD1C3A}</a:tableStyleId>
+              </a:tblPr>
+              <a:tblGrid>
+                <a:gridCol w="474663"/>
+                <a:gridCol w="474663"/>
+                <a:gridCol w="474663"/>
+              </a:tblGrid>
+              <a:tr h="350599">
+                <a:tc>
+                  <a:txBody>
+                    <a:bodyPr/>
+                    <a:lstStyle/>
+                    <a:p>
+                      <a:pPr algn="ctr"/>
+                      <a:r>
+                        <a:rPr lang="en-US" dirty="0" smtClean="0"/>
+                        <a:t>2</a:t>
+                      </a:r>
+                      <a:endParaRPr lang="en-US" dirty="0"/>
+                    </a:p>
+                  </a:txBody>
+                  <a:tcPr>
+                    <a:solidFill>
+                      <a:schemeClr val="bg2">
+                        <a:lumMod val="10000"/>
+                      </a:schemeClr>
+                    </a:solidFill>
+                  </a:tcPr>
+                </a:tc>
+                <a:tc>
+                  <a:txBody>
+                    <a:bodyPr/>
+                    <a:lstStyle/>
+                    <a:p>
+                      <a:pPr algn="ctr"/>
+                      <a:r>
+                        <a:rPr lang="en-US" dirty="0" smtClean="0"/>
+                        <a:t>5</a:t>
+                      </a:r>
+                      <a:endParaRPr lang="en-US" dirty="0"/>
+                    </a:p>
+                  </a:txBody>
+                  <a:tcPr>
+                    <a:solidFill>
+                      <a:schemeClr val="bg2">
+                        <a:lumMod val="10000"/>
+                      </a:schemeClr>
+                    </a:solidFill>
+                  </a:tcPr>
+                </a:tc>
+                <a:tc>
+                  <a:txBody>
+                    <a:bodyPr/>
+                    <a:lstStyle/>
+                    <a:p>
+                      <a:pPr algn="ctr"/>
+                      <a:r>
+                        <a:rPr lang="en-US" dirty="0" smtClean="0"/>
+                        <a:t>8</a:t>
+                      </a:r>
+                      <a:endParaRPr lang="en-US" dirty="0"/>
+                    </a:p>
+                  </a:txBody>
+                  <a:tcPr>
+                    <a:solidFill>
+                      <a:schemeClr val="bg2">
+                        <a:lumMod val="10000"/>
+                      </a:schemeClr>
+                    </a:solidFill>
+                  </a:tcPr>
+                </a:tc>
+              </a:tr>
+            </a:tbl>
+          </a:graphicData>
+        </a:graphic>
+      </p:graphicFrame>
+      <p:graphicFrame>
+        <p:nvGraphicFramePr>
+          <p:cNvPr id="11" name="Table 10"/>
+          <p:cNvGraphicFramePr>
+            <a:graphicFrameLocks noGrp="1"/>
+          </p:cNvGraphicFramePr>
+          <p:nvPr>
+            <p:extLst>
+              <p:ext uri="{D42A27DB-BD31-4B8C-83A1-F6EECF244321}">
+                <p14:modId xmlns:p14="http://schemas.microsoft.com/office/powerpoint/2010/main" val="2981479132"/>
+              </p:ext>
+            </p:extLst>
+          </p:nvPr>
+        </p:nvGraphicFramePr>
+        <p:xfrm>
+          <a:off x="3123765" y="2850861"/>
+          <a:ext cx="1423989" cy="365760"/>
+        </p:xfrm>
+        <a:graphic>
+          <a:graphicData uri="http://schemas.openxmlformats.org/drawingml/2006/table">
+            <a:tbl>
+              <a:tblPr firstRow="1" bandRow="1">
+                <a:tableStyleId>{5C22544A-7EE6-4342-B048-85BDC9FD1C3A}</a:tableStyleId>
+              </a:tblPr>
+              <a:tblGrid>
+                <a:gridCol w="474663"/>
+                <a:gridCol w="474663"/>
+                <a:gridCol w="474663"/>
+              </a:tblGrid>
+              <a:tr h="350599">
+                <a:tc>
+                  <a:txBody>
+                    <a:bodyPr/>
+                    <a:lstStyle/>
+                    <a:p>
+                      <a:pPr algn="ctr"/>
+                      <a:r>
+                        <a:rPr lang="en-US" dirty="0" smtClean="0"/>
+                        <a:t>12</a:t>
+                      </a:r>
+                      <a:endParaRPr lang="en-US" dirty="0"/>
+                    </a:p>
+                  </a:txBody>
+                  <a:tcPr>
+                    <a:solidFill>
+                      <a:schemeClr val="accent4">
+                        <a:lumMod val="50000"/>
+                      </a:schemeClr>
+                    </a:solidFill>
+                  </a:tcPr>
+                </a:tc>
+                <a:tc>
+                  <a:txBody>
+                    <a:bodyPr/>
+                    <a:lstStyle/>
+                    <a:p>
+                      <a:pPr algn="ctr"/>
+                      <a:r>
+                        <a:rPr lang="en-US" dirty="0" smtClean="0"/>
+                        <a:t>4</a:t>
+                      </a:r>
+                      <a:endParaRPr lang="en-US" dirty="0"/>
+                    </a:p>
+                  </a:txBody>
+                  <a:tcPr>
+                    <a:solidFill>
+                      <a:schemeClr val="accent4">
+                        <a:lumMod val="50000"/>
+                      </a:schemeClr>
+                    </a:solidFill>
+                  </a:tcPr>
+                </a:tc>
+                <a:tc>
+                  <a:txBody>
+                    <a:bodyPr/>
+                    <a:lstStyle/>
+                    <a:p>
+                      <a:pPr algn="ctr"/>
+                      <a:r>
+                        <a:rPr lang="en-US" dirty="0" smtClean="0"/>
+                        <a:t>3</a:t>
+                      </a:r>
+                      <a:endParaRPr lang="en-US" dirty="0"/>
+                    </a:p>
+                  </a:txBody>
+                  <a:tcPr>
+                    <a:solidFill>
+                      <a:schemeClr val="accent4">
+                        <a:lumMod val="50000"/>
+                      </a:schemeClr>
+                    </a:solidFill>
+                  </a:tcPr>
+                </a:tc>
+              </a:tr>
+            </a:tbl>
+          </a:graphicData>
+        </a:graphic>
+      </p:graphicFrame>
+      <p:graphicFrame>
+        <p:nvGraphicFramePr>
+          <p:cNvPr id="12" name="Table 11"/>
+          <p:cNvGraphicFramePr>
+            <a:graphicFrameLocks noGrp="1"/>
+          </p:cNvGraphicFramePr>
+          <p:nvPr>
+            <p:extLst>
+              <p:ext uri="{D42A27DB-BD31-4B8C-83A1-F6EECF244321}">
+                <p14:modId xmlns:p14="http://schemas.microsoft.com/office/powerpoint/2010/main" val="3529197235"/>
+              </p:ext>
+            </p:extLst>
+          </p:nvPr>
+        </p:nvGraphicFramePr>
+        <p:xfrm>
+          <a:off x="4780762" y="2837006"/>
+          <a:ext cx="1423989" cy="365760"/>
+        </p:xfrm>
+        <a:graphic>
+          <a:graphicData uri="http://schemas.openxmlformats.org/drawingml/2006/table">
+            <a:tbl>
+              <a:tblPr firstRow="1" bandRow="1">
+                <a:tableStyleId>{5C22544A-7EE6-4342-B048-85BDC9FD1C3A}</a:tableStyleId>
+              </a:tblPr>
+              <a:tblGrid>
+                <a:gridCol w="474663"/>
+                <a:gridCol w="474663"/>
+                <a:gridCol w="474663"/>
+              </a:tblGrid>
+              <a:tr h="350599">
+                <a:tc>
+                  <a:txBody>
+                    <a:bodyPr/>
+                    <a:lstStyle/>
+                    <a:p>
+                      <a:pPr algn="ctr"/>
+                      <a:r>
+                        <a:rPr lang="en-US" dirty="0" smtClean="0"/>
+                        <a:t>10</a:t>
+                      </a:r>
+                      <a:endParaRPr lang="en-US" dirty="0"/>
+                    </a:p>
+                  </a:txBody>
+                  <a:tcPr>
+                    <a:solidFill>
+                      <a:schemeClr val="accent6">
+                        <a:lumMod val="75000"/>
+                      </a:schemeClr>
+                    </a:solidFill>
+                  </a:tcPr>
+                </a:tc>
+                <a:tc>
+                  <a:txBody>
+                    <a:bodyPr/>
+                    <a:lstStyle/>
+                    <a:p>
+                      <a:pPr algn="ctr"/>
+                      <a:r>
+                        <a:rPr lang="en-US" dirty="0" smtClean="0"/>
+                        <a:t>9</a:t>
+                      </a:r>
+                      <a:endParaRPr lang="en-US" dirty="0"/>
+                    </a:p>
+                  </a:txBody>
+                  <a:tcPr>
+                    <a:solidFill>
+                      <a:schemeClr val="accent6">
+                        <a:lumMod val="75000"/>
+                      </a:schemeClr>
+                    </a:solidFill>
+                  </a:tcPr>
+                </a:tc>
+                <a:tc>
+                  <a:txBody>
+                    <a:bodyPr/>
+                    <a:lstStyle/>
+                    <a:p>
+                      <a:pPr algn="ctr"/>
+                      <a:r>
+                        <a:rPr lang="en-US" dirty="0" smtClean="0"/>
+                        <a:t>0</a:t>
+                      </a:r>
+                      <a:endParaRPr lang="en-US" dirty="0"/>
+                    </a:p>
+                  </a:txBody>
+                  <a:tcPr>
+                    <a:solidFill>
+                      <a:schemeClr val="accent6">
+                        <a:lumMod val="75000"/>
+                      </a:schemeClr>
+                    </a:solidFill>
+                  </a:tcPr>
+                </a:tc>
+              </a:tr>
+            </a:tbl>
+          </a:graphicData>
+        </a:graphic>
+      </p:graphicFrame>
+      <p:sp>
+        <p:nvSpPr>
+          <p:cNvPr id="14" name="TextBox 13"/>
+          <p:cNvSpPr txBox="1"/>
+          <p:nvPr/>
+        </p:nvSpPr>
+        <p:spPr>
+          <a:xfrm>
+            <a:off x="1485900" y="3158837"/>
+            <a:ext cx="1300356" cy="307777"/>
+          </a:xfrm>
+          <a:prstGeom prst="rect">
+            <a:avLst/>
+          </a:prstGeom>
+          <a:noFill/>
+        </p:spPr>
+        <p:txBody>
+          <a:bodyPr wrap="none" rtlCol="0">
+            <a:spAutoFit/>
+          </a:bodyPr>
+          <a:lstStyle/>
+          <a:p>
+            <a:r>
+              <a:rPr lang="en-US" sz="1400" dirty="0" smtClean="0"/>
+              <a:t>0           1          2</a:t>
+            </a:r>
+            <a:endParaRPr lang="en-US" sz="1400" dirty="0"/>
+          </a:p>
+        </p:txBody>
+      </p:sp>
+      <p:sp>
+        <p:nvSpPr>
+          <p:cNvPr id="15" name="TextBox 14"/>
+          <p:cNvSpPr txBox="1"/>
+          <p:nvPr/>
+        </p:nvSpPr>
+        <p:spPr>
+          <a:xfrm>
+            <a:off x="3143486" y="3167253"/>
+            <a:ext cx="1300356" cy="307777"/>
+          </a:xfrm>
+          <a:prstGeom prst="rect">
+            <a:avLst/>
+          </a:prstGeom>
+          <a:noFill/>
+        </p:spPr>
+        <p:txBody>
+          <a:bodyPr wrap="none" rtlCol="0">
+            <a:spAutoFit/>
+          </a:bodyPr>
+          <a:lstStyle/>
+          <a:p>
+            <a:r>
+              <a:rPr lang="en-US" sz="1400" dirty="0" smtClean="0"/>
+              <a:t>0           1          2</a:t>
+            </a:r>
+            <a:endParaRPr lang="en-US" sz="1400" dirty="0"/>
+          </a:p>
+        </p:txBody>
+      </p:sp>
+      <p:sp>
+        <p:nvSpPr>
+          <p:cNvPr id="16" name="TextBox 15"/>
+          <p:cNvSpPr txBox="1"/>
+          <p:nvPr/>
+        </p:nvSpPr>
+        <p:spPr>
+          <a:xfrm>
+            <a:off x="4801072" y="3158836"/>
+            <a:ext cx="1300356" cy="307777"/>
+          </a:xfrm>
+          <a:prstGeom prst="rect">
+            <a:avLst/>
+          </a:prstGeom>
+          <a:noFill/>
+        </p:spPr>
+        <p:txBody>
+          <a:bodyPr wrap="none" rtlCol="0">
+            <a:spAutoFit/>
+          </a:bodyPr>
+          <a:lstStyle/>
+          <a:p>
+            <a:r>
+              <a:rPr lang="en-US" sz="1400" dirty="0" smtClean="0"/>
+              <a:t>0           1          2</a:t>
+            </a:r>
+            <a:endParaRPr lang="en-US" sz="1400" dirty="0"/>
+          </a:p>
+        </p:txBody>
+      </p:sp>
+      <p:sp>
+        <p:nvSpPr>
+          <p:cNvPr id="17" name="TextBox 16"/>
+          <p:cNvSpPr txBox="1"/>
+          <p:nvPr/>
+        </p:nvSpPr>
+        <p:spPr>
+          <a:xfrm>
+            <a:off x="1863257" y="3466613"/>
+            <a:ext cx="963725" cy="338554"/>
+          </a:xfrm>
+          <a:prstGeom prst="rect">
+            <a:avLst/>
+          </a:prstGeom>
+          <a:noFill/>
+        </p:spPr>
+        <p:txBody>
+          <a:bodyPr wrap="none" rtlCol="0">
+            <a:spAutoFit/>
+          </a:bodyPr>
+          <a:lstStyle/>
+          <a:p>
+            <a:r>
+              <a:rPr lang="en-US" sz="1600" b="1" dirty="0" smtClean="0"/>
+              <a:t>Sum = 18</a:t>
+            </a:r>
+            <a:endParaRPr lang="en-US" sz="1600" b="1" dirty="0"/>
+          </a:p>
+        </p:txBody>
+      </p:sp>
+      <p:sp>
+        <p:nvSpPr>
+          <p:cNvPr id="18" name="TextBox 17"/>
+          <p:cNvSpPr txBox="1"/>
+          <p:nvPr/>
+        </p:nvSpPr>
+        <p:spPr>
+          <a:xfrm>
+            <a:off x="3322192" y="3466613"/>
+            <a:ext cx="963725" cy="338554"/>
+          </a:xfrm>
+          <a:prstGeom prst="rect">
+            <a:avLst/>
+          </a:prstGeom>
+          <a:noFill/>
+        </p:spPr>
+        <p:txBody>
+          <a:bodyPr wrap="none" rtlCol="0">
+            <a:spAutoFit/>
+          </a:bodyPr>
+          <a:lstStyle/>
+          <a:p>
+            <a:r>
+              <a:rPr lang="en-US" sz="1600" b="1" dirty="0" smtClean="0"/>
+              <a:t>Sum = 19</a:t>
+            </a:r>
+            <a:endParaRPr lang="en-US" sz="1600" b="1" dirty="0"/>
+          </a:p>
+        </p:txBody>
+      </p:sp>
+      <p:sp>
+        <p:nvSpPr>
+          <p:cNvPr id="19" name="TextBox 18"/>
+          <p:cNvSpPr txBox="1"/>
+          <p:nvPr/>
+        </p:nvSpPr>
+        <p:spPr>
+          <a:xfrm>
+            <a:off x="4939707" y="3466613"/>
+            <a:ext cx="963725" cy="338554"/>
+          </a:xfrm>
+          <a:prstGeom prst="rect">
+            <a:avLst/>
+          </a:prstGeom>
+          <a:noFill/>
+        </p:spPr>
+        <p:txBody>
+          <a:bodyPr wrap="none" rtlCol="0">
+            <a:spAutoFit/>
+          </a:bodyPr>
+          <a:lstStyle/>
+          <a:p>
+            <a:r>
+              <a:rPr lang="en-US" sz="1600" b="1" dirty="0" smtClean="0"/>
+              <a:t>Sum = 19</a:t>
+            </a:r>
+            <a:endParaRPr lang="en-US" sz="1600" b="1" dirty="0"/>
+          </a:p>
+        </p:txBody>
+      </p:sp>
+      <p:sp>
+        <p:nvSpPr>
+          <p:cNvPr id="22" name="Rectangle 21"/>
+          <p:cNvSpPr/>
+          <p:nvPr/>
+        </p:nvSpPr>
+        <p:spPr>
+          <a:xfrm>
+            <a:off x="1863257" y="3466613"/>
+            <a:ext cx="4040175" cy="338554"/>
+          </a:xfrm>
+          <a:prstGeom prst="rect">
+            <a:avLst/>
+          </a:prstGeom>
+          <a:noFill/>
+          <a:ln w="28575">
+            <a:solidFill>
+              <a:schemeClr val="accent5">
+                <a:lumMod val="50000"/>
+              </a:schemeClr>
+            </a:solidFill>
+          </a:ln>
+        </p:spPr>
+        <p:style>
+          <a:lnRef idx="2">
+            <a:schemeClr val="accent1">
+              <a:shade val="50000"/>
+            </a:schemeClr>
+          </a:lnRef>
+          <a:fillRef idx="1">
+            <a:schemeClr val="accent1"/>
+          </a:fillRef>
+          <a:effectRef idx="0">
+            <a:schemeClr val="accent1"/>
+          </a:effectRef>
+          <a:fontRef idx="minor">
+            <a:schemeClr val="lt1"/>
+          </a:fontRef>
+        </p:style>
+        <p:txBody>
+          <a:bodyPr rtlCol="0" anchor="ctr"/>
+          <a:lstStyle/>
+          <a:p>
+            <a:pPr algn="ctr"/>
+            <a:endParaRPr lang="en-US">
+              <a:ln w="12700">
+                <a:solidFill>
+                  <a:schemeClr val="accent5">
+                    <a:lumMod val="50000"/>
+                  </a:schemeClr>
+                </a:solidFill>
+              </a:ln>
+              <a:noFill/>
+            </a:endParaRPr>
+          </a:p>
+        </p:txBody>
+      </p:sp>
+      <p:cxnSp>
+        <p:nvCxnSpPr>
+          <p:cNvPr id="24" name="Curved Connector 23"/>
+          <p:cNvCxnSpPr>
+            <a:stCxn id="19" idx="3"/>
+          </p:cNvCxnSpPr>
+          <p:nvPr/>
+        </p:nvCxnSpPr>
+        <p:spPr>
+          <a:xfrm flipV="1">
+            <a:off x="5903432" y="3075709"/>
+            <a:ext cx="1307859" cy="560181"/>
+          </a:xfrm>
+          <a:prstGeom prst="curvedConnector3">
+            <a:avLst/>
+          </a:prstGeom>
+          <a:ln>
+            <a:tailEnd type="triangle"/>
+          </a:ln>
+        </p:spPr>
+        <p:style>
+          <a:lnRef idx="3">
+            <a:schemeClr val="dk1"/>
+          </a:lnRef>
+          <a:fillRef idx="0">
+            <a:schemeClr val="dk1"/>
+          </a:fillRef>
+          <a:effectRef idx="2">
+            <a:schemeClr val="dk1"/>
+          </a:effectRef>
+          <a:fontRef idx="minor">
+            <a:schemeClr val="tx1"/>
+          </a:fontRef>
+        </p:style>
+      </p:cxnSp>
+      <p:sp>
+        <p:nvSpPr>
+          <p:cNvPr id="25" name="TextBox 24"/>
+          <p:cNvSpPr txBox="1"/>
+          <p:nvPr/>
+        </p:nvSpPr>
+        <p:spPr>
+          <a:xfrm>
+            <a:off x="7203788" y="2832579"/>
+            <a:ext cx="2388090" cy="523220"/>
+          </a:xfrm>
+          <a:prstGeom prst="rect">
+            <a:avLst/>
+          </a:prstGeom>
+          <a:noFill/>
+        </p:spPr>
+        <p:txBody>
+          <a:bodyPr wrap="none" rtlCol="0">
+            <a:spAutoFit/>
+          </a:bodyPr>
+          <a:lstStyle/>
+          <a:p>
+            <a:r>
+              <a:rPr lang="en-US" sz="1400" b="1" dirty="0" smtClean="0"/>
+              <a:t>Blocks[] </a:t>
+            </a:r>
+          </a:p>
+          <a:p>
+            <a:r>
+              <a:rPr lang="en-US" sz="1400" b="1" dirty="0" smtClean="0"/>
+              <a:t>Size: Ceil(</a:t>
+            </a:r>
+            <a:r>
+              <a:rPr lang="en-US" sz="1400" b="1" dirty="0" err="1" smtClean="0"/>
+              <a:t>sqrt</a:t>
+            </a:r>
+            <a:r>
+              <a:rPr lang="en-US" sz="1400" b="1" dirty="0" smtClean="0"/>
+              <a:t>(length of array)</a:t>
+            </a:r>
+            <a:endParaRPr lang="en-US" sz="1400" b="1" dirty="0"/>
+          </a:p>
+        </p:txBody>
+      </p:sp>
+      <p:graphicFrame>
+        <p:nvGraphicFramePr>
+          <p:cNvPr id="26" name="Table 25"/>
+          <p:cNvGraphicFramePr>
+            <a:graphicFrameLocks noGrp="1"/>
+          </p:cNvGraphicFramePr>
+          <p:nvPr>
+            <p:extLst>
+              <p:ext uri="{D42A27DB-BD31-4B8C-83A1-F6EECF244321}">
+                <p14:modId xmlns:p14="http://schemas.microsoft.com/office/powerpoint/2010/main" val="371550695"/>
+              </p:ext>
+            </p:extLst>
+          </p:nvPr>
+        </p:nvGraphicFramePr>
+        <p:xfrm>
+          <a:off x="1863257" y="4112943"/>
+          <a:ext cx="3830961" cy="365760"/>
+        </p:xfrm>
+        <a:graphic>
+          <a:graphicData uri="http://schemas.openxmlformats.org/drawingml/2006/table">
+            <a:tbl>
+              <a:tblPr firstRow="1" bandRow="1">
+                <a:tableStyleId>{5C22544A-7EE6-4342-B048-85BDC9FD1C3A}</a:tableStyleId>
+              </a:tblPr>
+              <a:tblGrid>
+                <a:gridCol w="1276987"/>
+                <a:gridCol w="1276987"/>
+                <a:gridCol w="1276987"/>
+              </a:tblGrid>
+              <a:tr h="314099">
+                <a:tc>
+                  <a:txBody>
+                    <a:bodyPr/>
+                    <a:lstStyle/>
+                    <a:p>
+                      <a:pPr algn="ctr"/>
+                      <a:r>
+                        <a:rPr lang="en-US" dirty="0" smtClean="0"/>
+                        <a:t>18</a:t>
+                      </a:r>
+                      <a:endParaRPr lang="en-US" dirty="0"/>
+                    </a:p>
+                  </a:txBody>
+                  <a:tcPr>
+                    <a:solidFill>
+                      <a:srgbClr val="00B050"/>
+                    </a:solidFill>
+                  </a:tcPr>
+                </a:tc>
+                <a:tc>
+                  <a:txBody>
+                    <a:bodyPr/>
+                    <a:lstStyle/>
+                    <a:p>
+                      <a:pPr algn="ctr"/>
+                      <a:r>
+                        <a:rPr lang="en-US" dirty="0" smtClean="0"/>
+                        <a:t>19</a:t>
+                      </a:r>
+                      <a:endParaRPr lang="en-US" dirty="0"/>
+                    </a:p>
+                  </a:txBody>
+                  <a:tcPr>
+                    <a:solidFill>
+                      <a:srgbClr val="00B050"/>
+                    </a:solidFill>
+                  </a:tcPr>
+                </a:tc>
+                <a:tc>
+                  <a:txBody>
+                    <a:bodyPr/>
+                    <a:lstStyle/>
+                    <a:p>
+                      <a:pPr algn="ctr"/>
+                      <a:r>
+                        <a:rPr lang="en-US" dirty="0" smtClean="0"/>
+                        <a:t>19</a:t>
+                      </a:r>
+                      <a:endParaRPr lang="en-US" dirty="0"/>
+                    </a:p>
+                  </a:txBody>
+                  <a:tcPr>
+                    <a:solidFill>
+                      <a:srgbClr val="00B050"/>
+                    </a:solidFill>
+                  </a:tcPr>
+                </a:tc>
+              </a:tr>
+            </a:tbl>
+          </a:graphicData>
+        </a:graphic>
+      </p:graphicFrame>
+      <p:cxnSp>
+        <p:nvCxnSpPr>
+          <p:cNvPr id="28" name="Elbow Connector 27"/>
+          <p:cNvCxnSpPr/>
+          <p:nvPr/>
+        </p:nvCxnSpPr>
+        <p:spPr>
+          <a:xfrm flipV="1">
+            <a:off x="5683827" y="2971800"/>
+            <a:ext cx="1527464" cy="1319645"/>
+          </a:xfrm>
+          <a:prstGeom prst="bentConnector3">
+            <a:avLst/>
+          </a:prstGeom>
+          <a:ln>
+            <a:tailEnd type="triangle"/>
+          </a:ln>
+        </p:spPr>
+        <p:style>
+          <a:lnRef idx="3">
+            <a:schemeClr val="accent6"/>
+          </a:lnRef>
+          <a:fillRef idx="0">
+            <a:schemeClr val="accent6"/>
+          </a:fillRef>
+          <a:effectRef idx="2">
+            <a:schemeClr val="accent6"/>
+          </a:effectRef>
+          <a:fontRef idx="minor">
+            <a:schemeClr val="tx1"/>
+          </a:fontRef>
+        </p:style>
+      </p:cxnSp>
+    </p:spTree>
+    <p:extLst>
+      <p:ext uri="{BB962C8B-B14F-4D97-AF65-F5344CB8AC3E}">
+        <p14:creationId xmlns:p14="http://schemas.microsoft.com/office/powerpoint/2010/main" val="2985287418"/>
+      </p:ext>
+    </p:extLst>
+  </p:cSld>
+  <p:clrMapOvr>
+    <a:masterClrMapping/>
+  </p:clrMapOvr>
+</p:sld>
+</file>
+
 <file path=ppt/theme/theme1.xml><?xml version="1.0" encoding="utf-8"?>
 <a:theme xmlns:a="http://schemas.openxmlformats.org/drawingml/2006/main" name="Office Theme">
   <a:themeElements>
